--- a/docs/model-description/haq-structure.pptx
+++ b/docs/model-description/haq-structure.pptx
@@ -122,7 +122,7 @@
       </p14:sectionLst>
     </p:ext>
     <p:ext uri="{EFAFB233-063F-42B5-8137-9DF3F51BA10A}">
-      <p15:sldGuideLst xmlns:p15="http://schemas.microsoft.com/office/powerpoint/2012/main" xmlns="">
+      <p15:sldGuideLst xmlns="" xmlns:p15="http://schemas.microsoft.com/office/powerpoint/2012/main">
         <p15:guide id="1" orient="horz" pos="967" userDrawn="1">
           <p15:clr>
             <a:srgbClr val="A4A3A4"/>
@@ -151,7 +151,7 @@
       </p15:sldGuideLst>
     </p:ext>
     <p:ext uri="{2D200454-40CA-4A62-9FC3-DE9A4176ACB9}">
-      <p15:notesGuideLst xmlns:p15="http://schemas.microsoft.com/office/powerpoint/2012/main" xmlns=""/>
+      <p15:notesGuideLst xmlns="" xmlns:p15="http://schemas.microsoft.com/office/powerpoint/2012/main"/>
     </p:ext>
   </p:extLst>
 </p:presentation>
@@ -239,7 +239,7 @@
           <a:p>
             <a:fld id="{2A6C3DAF-1E61-4392-93C7-215C5F17E164}" type="datetimeFigureOut">
               <a:rPr lang="en-US" smtClean="0"/>
-              <a:t>6/27/17</a:t>
+              <a:t>11/3/17</a:t>
             </a:fld>
             <a:endParaRPr lang="en-US"/>
           </a:p>
@@ -5246,12 +5246,12 @@
             <a:p>
               <a:pPr algn="ctr"/>
               <a:r>
-                <a:rPr lang="en-US" sz="1100" b="1" i="1" dirty="0" err="1" smtClean="0"/>
-                <a:t>bDMARD</a:t>
+                <a:rPr lang="en-US" sz="1100" b="1" i="1" dirty="0" smtClean="0"/>
+                <a:t>DMARD </a:t>
               </a:r>
               <a:r>
                 <a:rPr lang="en-US" sz="1100" b="1" i="1" dirty="0" smtClean="0"/>
-                <a:t> 1</a:t>
+                <a:t>1</a:t>
               </a:r>
               <a:endParaRPr lang="en-US" sz="1100" b="1" i="1" dirty="0" smtClean="0">
                 <a:solidFill>
@@ -6074,12 +6074,8 @@
             <a:p>
               <a:pPr algn="ctr"/>
               <a:r>
-                <a:rPr lang="en-US" sz="1100" b="1" i="1" dirty="0" err="1" smtClean="0"/>
-                <a:t>bDMARD</a:t>
-              </a:r>
-              <a:r>
                 <a:rPr lang="en-US" sz="1100" b="1" i="1" dirty="0" smtClean="0"/>
-                <a:t> </a:t>
+                <a:t>DMARD </a:t>
               </a:r>
               <a:r>
                 <a:rPr lang="en-US" sz="1100" b="1" i="1" dirty="0"/>
@@ -6117,12 +6113,12 @@
             <a:p>
               <a:pPr algn="ctr"/>
               <a:r>
-                <a:rPr lang="en-US" sz="1100" b="1" i="1" dirty="0" err="1" smtClean="0"/>
-                <a:t>bDMARD</a:t>
+                <a:rPr lang="en-US" sz="1100" b="1" i="1" dirty="0" smtClean="0"/>
+                <a:t>DMARD </a:t>
               </a:r>
               <a:r>
                 <a:rPr lang="en-US" sz="1100" b="1" i="1" dirty="0" smtClean="0"/>
-                <a:t> 3</a:t>
+                <a:t>3</a:t>
               </a:r>
               <a:endParaRPr lang="en-US" sz="1100" b="1" i="1" dirty="0" smtClean="0">
                 <a:solidFill>
@@ -6156,12 +6152,8 @@
             <a:p>
               <a:pPr algn="ctr"/>
               <a:r>
-                <a:rPr lang="en-US" sz="1100" b="1" i="1" dirty="0" err="1" smtClean="0"/>
-                <a:t>bDMARD</a:t>
-              </a:r>
-              <a:r>
                 <a:rPr lang="en-US" sz="1100" b="1" i="1" dirty="0" smtClean="0"/>
-                <a:t> </a:t>
+                <a:t>DMARD </a:t>
               </a:r>
               <a:r>
                 <a:rPr lang="en-US" sz="1100" b="1" i="1" dirty="0"/>
@@ -6469,12 +6461,12 @@
             <a:p>
               <a:pPr algn="ctr"/>
               <a:r>
-                <a:rPr lang="en-US" sz="1100" b="1" i="1" dirty="0" err="1" smtClean="0"/>
-                <a:t>bDMARD</a:t>
+                <a:rPr lang="en-US" sz="1100" b="1" i="1" dirty="0" smtClean="0"/>
+                <a:t>DMARD </a:t>
               </a:r>
               <a:r>
                 <a:rPr lang="en-US" sz="1100" b="1" i="1" dirty="0" smtClean="0"/>
-                <a:t> 5</a:t>
+                <a:t>5</a:t>
               </a:r>
               <a:endParaRPr lang="en-US" sz="1100" b="1" i="1" dirty="0" smtClean="0">
                 <a:solidFill>
@@ -6508,12 +6500,12 @@
             <a:p>
               <a:pPr algn="ctr"/>
               <a:r>
-                <a:rPr lang="en-US" sz="1100" b="1" i="1" dirty="0" err="1" smtClean="0"/>
-                <a:t>bDMARD</a:t>
+                <a:rPr lang="en-US" sz="1100" b="1" i="1" smtClean="0"/>
+                <a:t>DMARD </a:t>
               </a:r>
               <a:r>
                 <a:rPr lang="en-US" sz="1100" b="1" i="1" dirty="0" smtClean="0"/>
-                <a:t> 6</a:t>
+                <a:t>6</a:t>
               </a:r>
               <a:endParaRPr lang="en-US" sz="1100" b="1" i="1" dirty="0" smtClean="0">
                 <a:solidFill>
@@ -6950,7 +6942,7 @@
   <a:extraClrSchemeLst/>
   <a:extLst>
     <a:ext uri="{05A4C25C-085E-4340-85A3-A5531E510DB2}">
-      <thm15:themeFamily xmlns:thm15="http://schemas.microsoft.com/office/thememl/2012/main" xmlns="" name="2016_PHE_PPT_Template_16x9_FINAL" id="{0EDF9234-85B9-409B-BD70-3F81B0742FBC}" vid="{5159AF3C-263A-47D2-B111-0018568FE3DC}"/>
+      <thm15:themeFamily xmlns="" xmlns:thm15="http://schemas.microsoft.com/office/thememl/2012/main" name="2016_PHE_PPT_Template_16x9_FINAL" id="{0EDF9234-85B9-409B-BD70-3F81B0742FBC}" vid="{5159AF3C-263A-47D2-B111-0018568FE3DC}"/>
     </a:ext>
   </a:extLst>
 </a:theme>
@@ -7311,7 +7303,7 @@
   <a:extraClrSchemeLst/>
   <a:extLst>
     <a:ext uri="{05A4C25C-085E-4340-85A3-A5531E510DB2}">
-      <thm15:themeFamily xmlns:thm15="http://schemas.microsoft.com/office/thememl/2012/main" xmlns="" name="2016_PHE_PPT_Template_16x9_FINAL" id="{0EDF9234-85B9-409B-BD70-3F81B0742FBC}" vid="{7CA68F99-DA7F-41C3-B489-26316DBDFBA2}"/>
+      <thm15:themeFamily xmlns="" xmlns:thm15="http://schemas.microsoft.com/office/thememl/2012/main" name="2016_PHE_PPT_Template_16x9_FINAL" id="{0EDF9234-85B9-409B-BD70-3F81B0742FBC}" vid="{7CA68F99-DA7F-41C3-B489-26316DBDFBA2}"/>
     </a:ext>
   </a:extLst>
 </a:theme>
@@ -7676,7 +7668,7 @@
   <a:extraClrSchemeLst/>
   <a:extLst>
     <a:ext uri="{05A4C25C-085E-4340-85A3-A5531E510DB2}">
-      <thm15:themeFamily xmlns:thm15="http://schemas.microsoft.com/office/thememl/2012/main" xmlns="" name="2016_PHE_PPT_Template_16x9_FINAL" id="{0EDF9234-85B9-409B-BD70-3F81B0742FBC}" vid="{0D9A27C5-882E-4B3B-A9F3-8EA6684F55AF}"/>
+      <thm15:themeFamily xmlns="" xmlns:thm15="http://schemas.microsoft.com/office/thememl/2012/main" name="2016_PHE_PPT_Template_16x9_FINAL" id="{0EDF9234-85B9-409B-BD70-3F81B0742FBC}" vid="{0D9A27C5-882E-4B3B-A9F3-8EA6684F55AF}"/>
     </a:ext>
   </a:extLst>
 </a:theme>
@@ -8041,7 +8033,7 @@
   <a:extraClrSchemeLst/>
   <a:extLst>
     <a:ext uri="{05A4C25C-085E-4340-85A3-A5531E510DB2}">
-      <thm15:themeFamily xmlns:thm15="http://schemas.microsoft.com/office/thememl/2012/main" xmlns="" name="2016_PHE_PPT_Template_16x9_FINAL" id="{0EDF9234-85B9-409B-BD70-3F81B0742FBC}" vid="{79A46D63-B2ED-48BF-9010-51AFDFF6E7CE}"/>
+      <thm15:themeFamily xmlns="" xmlns:thm15="http://schemas.microsoft.com/office/thememl/2012/main" name="2016_PHE_PPT_Template_16x9_FINAL" id="{0EDF9234-85B9-409B-BD70-3F81B0742FBC}" vid="{79A46D63-B2ED-48BF-9010-51AFDFF6E7CE}"/>
     </a:ext>
   </a:extLst>
 </a:theme>
@@ -8406,7 +8398,7 @@
   <a:extraClrSchemeLst/>
   <a:extLst>
     <a:ext uri="{05A4C25C-085E-4340-85A3-A5531E510DB2}">
-      <thm15:themeFamily xmlns:thm15="http://schemas.microsoft.com/office/thememl/2012/main" xmlns="" name="2016_PHE_PPT_Template_16x9_FINAL" id="{0EDF9234-85B9-409B-BD70-3F81B0742FBC}" vid="{10B3B19B-190D-4ECB-B57D-9779401A283E}"/>
+      <thm15:themeFamily xmlns="" xmlns:thm15="http://schemas.microsoft.com/office/thememl/2012/main" name="2016_PHE_PPT_Template_16x9_FINAL" id="{0EDF9234-85B9-409B-BD70-3F81B0742FBC}" vid="{10B3B19B-190D-4ECB-B57D-9779401A283E}"/>
     </a:ext>
   </a:extLst>
 </a:theme>
@@ -8667,7 +8659,7 @@
   <a:extraClrSchemeLst/>
   <a:extLst>
     <a:ext uri="{05A4C25C-085E-4340-85A3-A5531E510DB2}">
-      <thm15:themeFamily xmlns:thm15="http://schemas.microsoft.com/office/thememl/2012/main" xmlns="" name="Office Theme" id="{62F939B6-93AF-4DB8-9C6B-D6C7DFDC589F}" vid="{4A3C46E8-61CC-4603-A589-7422A47A8E4A}"/>
+      <thm15:themeFamily xmlns="" xmlns:thm15="http://schemas.microsoft.com/office/thememl/2012/main" name="Office Theme" id="{62F939B6-93AF-4DB8-9C6B-D6C7DFDC589F}" vid="{4A3C46E8-61CC-4603-A589-7422A47A8E4A}"/>
     </a:ext>
   </a:extLst>
 </a:theme>
